--- a/Week Two Iteration/Presentation/week-two-presentation-teamtbd.pptx
+++ b/Week Two Iteration/Presentation/week-two-presentation-teamtbd.pptx
@@ -109,6 +109,11 @@
       </a:defRPr>
     </a:lvl9pPr>
   </p:defaultTextStyle>
+  <p:extLst>
+    <p:ext uri="{EFAFB233-063F-42B5-8137-9DF3F51BA10A}">
+      <p15:sldGuideLst xmlns:p15="http://schemas.microsoft.com/office/powerpoint/2012/main"/>
+    </p:ext>
+  </p:extLst>
 </p:presentation>
 </file>
 
@@ -6016,262 +6021,330 @@
             <p:ph type="title"/>
           </p:nvPr>
         </p:nvSpPr>
-        <p:spPr/>
+        <p:spPr>
+          <a:xfrm>
+            <a:off x="253937" y="170433"/>
+            <a:ext cx="10515600" cy="1325563"/>
+          </a:xfrm>
+        </p:spPr>
         <p:txBody>
-          <a:bodyPr/>
+          <a:bodyPr>
+            <a:normAutofit/>
+          </a:bodyPr>
           <a:lstStyle/>
           <a:p>
             <a:r>
               <a:rPr lang="en-US" dirty="0"/>
-              <a:t>New Member</a:t>
+              <a:t>Involved Artist into project</a:t>
             </a:r>
           </a:p>
         </p:txBody>
       </p:sp>
+      <p:pic>
+        <p:nvPicPr>
+          <p:cNvPr id="5" name="Picture 4">
+            <a:extLst>
+              <a:ext uri="{FF2B5EF4-FFF2-40B4-BE49-F238E27FC236}">
+                <a16:creationId xmlns:a16="http://schemas.microsoft.com/office/drawing/2014/main" id="{8D63096A-440B-A31D-EC27-817C10FAA4F6}"/>
+              </a:ext>
+            </a:extLst>
+          </p:cNvPr>
+          <p:cNvPicPr>
+            <a:picLocks noChangeAspect="1"/>
+          </p:cNvPicPr>
+          <p:nvPr/>
+        </p:nvPicPr>
+        <p:blipFill>
+          <a:blip r:embed="rId3">
+            <a:extLst>
+              <a:ext uri="{28A0092B-C50C-407E-A947-70E740481C1C}">
+                <a14:useLocalDpi xmlns:a14="http://schemas.microsoft.com/office/drawing/2010/main" val="0"/>
+              </a:ext>
+            </a:extLst>
+          </a:blip>
+          <a:stretch>
+            <a:fillRect/>
+          </a:stretch>
+        </p:blipFill>
+        <p:spPr>
+          <a:xfrm>
+            <a:off x="8160230" y="1027906"/>
+            <a:ext cx="3017357" cy="4510087"/>
+          </a:xfrm>
+          <a:prstGeom prst="rect">
+            <a:avLst/>
+          </a:prstGeom>
+        </p:spPr>
+      </p:pic>
+      <p:pic>
+        <p:nvPicPr>
+          <p:cNvPr id="7" name="Picture 6">
+            <a:extLst>
+              <a:ext uri="{FF2B5EF4-FFF2-40B4-BE49-F238E27FC236}">
+                <a16:creationId xmlns:a16="http://schemas.microsoft.com/office/drawing/2014/main" id="{A8A5FDFD-BCD9-C1B3-22A9-3CDFA77F73D6}"/>
+              </a:ext>
+            </a:extLst>
+          </p:cNvPr>
+          <p:cNvPicPr>
+            <a:picLocks noChangeAspect="1"/>
+          </p:cNvPicPr>
+          <p:nvPr/>
+        </p:nvPicPr>
+        <p:blipFill>
+          <a:blip r:embed="rId4">
+            <a:extLst>
+              <a:ext uri="{28A0092B-C50C-407E-A947-70E740481C1C}">
+                <a14:useLocalDpi xmlns:a14="http://schemas.microsoft.com/office/drawing/2010/main" val="0"/>
+              </a:ext>
+            </a:extLst>
+          </a:blip>
+          <a:stretch>
+            <a:fillRect/>
+          </a:stretch>
+        </p:blipFill>
+        <p:spPr>
+          <a:xfrm flipH="1">
+            <a:off x="7475456" y="0"/>
+            <a:ext cx="1683819" cy="1809750"/>
+          </a:xfrm>
+          <a:prstGeom prst="rect">
+            <a:avLst/>
+          </a:prstGeom>
+        </p:spPr>
+      </p:pic>
+      <p:pic>
+        <p:nvPicPr>
+          <p:cNvPr id="10" name="Picture 9">
+            <a:extLst>
+              <a:ext uri="{FF2B5EF4-FFF2-40B4-BE49-F238E27FC236}">
+                <a16:creationId xmlns:a16="http://schemas.microsoft.com/office/drawing/2014/main" id="{2A1A49A3-C33D-CB0F-B5F6-611C3DF5069F}"/>
+              </a:ext>
+            </a:extLst>
+          </p:cNvPr>
+          <p:cNvPicPr>
+            <a:picLocks noChangeAspect="1"/>
+          </p:cNvPicPr>
+          <p:nvPr/>
+        </p:nvPicPr>
+        <p:blipFill>
+          <a:blip r:embed="rId5">
+            <a:extLst>
+              <a:ext uri="{28A0092B-C50C-407E-A947-70E740481C1C}">
+                <a14:useLocalDpi xmlns:a14="http://schemas.microsoft.com/office/drawing/2010/main" val="0"/>
+              </a:ext>
+            </a:extLst>
+          </a:blip>
+          <a:stretch>
+            <a:fillRect/>
+          </a:stretch>
+        </p:blipFill>
+        <p:spPr>
+          <a:xfrm>
+            <a:off x="-1943100" y="5681091"/>
+            <a:ext cx="1943100" cy="1943100"/>
+          </a:xfrm>
+          <a:prstGeom prst="rect">
+            <a:avLst/>
+          </a:prstGeom>
+        </p:spPr>
+      </p:pic>
+      <p:pic>
+        <p:nvPicPr>
+          <p:cNvPr id="12" name="Picture 11">
+            <a:extLst>
+              <a:ext uri="{FF2B5EF4-FFF2-40B4-BE49-F238E27FC236}">
+                <a16:creationId xmlns:a16="http://schemas.microsoft.com/office/drawing/2014/main" id="{08B1BC4A-7BB6-435A-254D-975CB3B5C8E2}"/>
+              </a:ext>
+            </a:extLst>
+          </p:cNvPr>
+          <p:cNvPicPr>
+            <a:picLocks noChangeAspect="1"/>
+          </p:cNvPicPr>
+          <p:nvPr/>
+        </p:nvPicPr>
+        <p:blipFill>
+          <a:blip r:embed="rId6">
+            <a:extLst>
+              <a:ext uri="{28A0092B-C50C-407E-A947-70E740481C1C}">
+                <a14:useLocalDpi xmlns:a14="http://schemas.microsoft.com/office/drawing/2010/main" val="0"/>
+              </a:ext>
+            </a:extLst>
+          </a:blip>
+          <a:stretch>
+            <a:fillRect/>
+          </a:stretch>
+        </p:blipFill>
+        <p:spPr>
+          <a:xfrm flipH="1">
+            <a:off x="10874170" y="3737991"/>
+            <a:ext cx="1683819" cy="1943100"/>
+          </a:xfrm>
+          <a:prstGeom prst="rect">
+            <a:avLst/>
+          </a:prstGeom>
+        </p:spPr>
+      </p:pic>
+      <p:pic>
+        <p:nvPicPr>
+          <p:cNvPr id="14" name="Picture 13">
+            <a:extLst>
+              <a:ext uri="{FF2B5EF4-FFF2-40B4-BE49-F238E27FC236}">
+                <a16:creationId xmlns:a16="http://schemas.microsoft.com/office/drawing/2014/main" id="{304AE724-CDE0-C3B7-0091-C541A885B2B1}"/>
+              </a:ext>
+            </a:extLst>
+          </p:cNvPr>
+          <p:cNvPicPr>
+            <a:picLocks noChangeAspect="1"/>
+          </p:cNvPicPr>
+          <p:nvPr/>
+        </p:nvPicPr>
+        <p:blipFill>
+          <a:blip r:embed="rId7">
+            <a:extLst>
+              <a:ext uri="{28A0092B-C50C-407E-A947-70E740481C1C}">
+                <a14:useLocalDpi xmlns:a14="http://schemas.microsoft.com/office/drawing/2010/main" val="0"/>
+              </a:ext>
+            </a:extLst>
+          </a:blip>
+          <a:stretch>
+            <a:fillRect/>
+          </a:stretch>
+        </p:blipFill>
+        <p:spPr>
+          <a:xfrm>
+            <a:off x="920143" y="2311398"/>
+            <a:ext cx="1943101" cy="1943101"/>
+          </a:xfrm>
+          <a:prstGeom prst="rect">
+            <a:avLst/>
+          </a:prstGeom>
+        </p:spPr>
+      </p:pic>
+      <p:pic>
+        <p:nvPicPr>
+          <p:cNvPr id="18" name="Picture 17">
+            <a:extLst>
+              <a:ext uri="{FF2B5EF4-FFF2-40B4-BE49-F238E27FC236}">
+                <a16:creationId xmlns:a16="http://schemas.microsoft.com/office/drawing/2014/main" id="{97C96FC3-C871-FDD9-3EBB-56EB1796BC4C}"/>
+              </a:ext>
+            </a:extLst>
+          </p:cNvPr>
+          <p:cNvPicPr>
+            <a:picLocks noChangeAspect="1"/>
+          </p:cNvPicPr>
+          <p:nvPr/>
+        </p:nvPicPr>
+        <p:blipFill>
+          <a:blip r:embed="rId8">
+            <a:extLst>
+              <a:ext uri="{28A0092B-C50C-407E-A947-70E740481C1C}">
+                <a14:useLocalDpi xmlns:a14="http://schemas.microsoft.com/office/drawing/2010/main" val="0"/>
+              </a:ext>
+            </a:extLst>
+          </a:blip>
+          <a:stretch>
+            <a:fillRect/>
+          </a:stretch>
+        </p:blipFill>
+        <p:spPr>
+          <a:xfrm>
+            <a:off x="920143" y="4254499"/>
+            <a:ext cx="1943101" cy="1943101"/>
+          </a:xfrm>
+          <a:prstGeom prst="rect">
+            <a:avLst/>
+          </a:prstGeom>
+        </p:spPr>
+      </p:pic>
       <p:sp>
         <p:nvSpPr>
-          <p:cNvPr id="3" name="Content Placeholder 2">
-            <a:extLst>
-              <a:ext uri="{FF2B5EF4-FFF2-40B4-BE49-F238E27FC236}">
-                <a16:creationId xmlns:a16="http://schemas.microsoft.com/office/drawing/2014/main" id="{9D93ACE2-F4E1-7A47-9248-1DCAC86BAB8F}"/>
-              </a:ext>
-            </a:extLst>
-          </p:cNvPr>
-          <p:cNvSpPr>
-            <a:spLocks noGrp="1"/>
-          </p:cNvSpPr>
-          <p:nvPr>
-            <p:ph idx="1"/>
-          </p:nvPr>
+          <p:cNvPr id="8" name="TextBox 7">
+            <a:extLst>
+              <a:ext uri="{FF2B5EF4-FFF2-40B4-BE49-F238E27FC236}">
+                <a16:creationId xmlns:a16="http://schemas.microsoft.com/office/drawing/2014/main" id="{9F6C74A0-90ED-EB77-98FB-97CB9C4BE3F7}"/>
+              </a:ext>
+            </a:extLst>
+          </p:cNvPr>
+          <p:cNvSpPr txBox="1"/>
+          <p:nvPr/>
         </p:nvSpPr>
-        <p:spPr/>
+        <p:spPr>
+          <a:xfrm>
+            <a:off x="454232" y="1263555"/>
+            <a:ext cx="6820930" cy="1754326"/>
+          </a:xfrm>
+          <a:prstGeom prst="rect">
+            <a:avLst/>
+          </a:prstGeom>
+          <a:noFill/>
+        </p:spPr>
         <p:txBody>
-          <a:bodyPr/>
+          <a:bodyPr wrap="square" rtlCol="0">
+            <a:spAutoFit/>
+          </a:bodyPr>
           <a:lstStyle/>
           <a:p>
+            <a:pPr marL="285750" indent="-285750">
+              <a:buFont typeface="Arial" panose="020B0604020202020204" pitchFamily="34" charset="0"/>
+              <a:buChar char="•"/>
+            </a:pPr>
             <a:r>
               <a:rPr lang="en-US" dirty="0"/>
-              <a:t>Brought on Joshua Sykes as an artist</a:t>
+              <a:t>Artist: Joshua Sykes</a:t>
+            </a:r>
+          </a:p>
+          <a:p>
+            <a:pPr marL="285750" indent="-285750">
+              <a:buFont typeface="Arial" panose="020B0604020202020204" pitchFamily="34" charset="0"/>
+              <a:buChar char="•"/>
+            </a:pPr>
+            <a:r>
+              <a:rPr lang="en-US" dirty="0"/>
+              <a:t>Involvement includes</a:t>
+            </a:r>
+          </a:p>
+          <a:p>
+            <a:pPr marL="742950" lvl="1" indent="-285750">
+              <a:buFont typeface="Arial" panose="020B0604020202020204" pitchFamily="34" charset="0"/>
+              <a:buChar char="•"/>
+            </a:pPr>
+            <a:r>
+              <a:rPr lang="en-US" dirty="0"/>
+              <a:t>Creation of various sprites</a:t>
+            </a:r>
+          </a:p>
+          <a:p>
+            <a:pPr marL="1200150" lvl="2" indent="-285750">
+              <a:buFont typeface="Arial" panose="020B0604020202020204" pitchFamily="34" charset="0"/>
+              <a:buChar char="•"/>
+            </a:pPr>
+            <a:r>
+              <a:rPr lang="en-US" dirty="0"/>
+              <a:t>Tile-map</a:t>
+            </a:r>
+          </a:p>
+          <a:p>
+            <a:pPr marL="1200150" lvl="2" indent="-285750">
+              <a:buFont typeface="Arial" panose="020B0604020202020204" pitchFamily="34" charset="0"/>
+              <a:buChar char="•"/>
+            </a:pPr>
+            <a:r>
+              <a:rPr lang="en-US" dirty="0"/>
+              <a:t>Stage Assets</a:t>
+            </a:r>
+          </a:p>
+          <a:p>
+            <a:pPr marL="742950" lvl="1" indent="-285750">
+              <a:buFont typeface="Arial" panose="020B0604020202020204" pitchFamily="34" charset="0"/>
+              <a:buChar char="•"/>
+            </a:pPr>
+            <a:r>
+              <a:rPr lang="en-US" dirty="0"/>
+              <a:t>Creation of animations</a:t>
             </a:r>
           </a:p>
         </p:txBody>
       </p:sp>
-      <p:pic>
-        <p:nvPicPr>
-          <p:cNvPr id="5" name="Picture 4">
-            <a:extLst>
-              <a:ext uri="{FF2B5EF4-FFF2-40B4-BE49-F238E27FC236}">
-                <a16:creationId xmlns:a16="http://schemas.microsoft.com/office/drawing/2014/main" id="{8D63096A-440B-A31D-EC27-817C10FAA4F6}"/>
-              </a:ext>
-            </a:extLst>
-          </p:cNvPr>
-          <p:cNvPicPr>
-            <a:picLocks noChangeAspect="1"/>
-          </p:cNvPicPr>
-          <p:nvPr/>
-        </p:nvPicPr>
-        <p:blipFill>
-          <a:blip r:embed="rId3">
-            <a:extLst>
-              <a:ext uri="{28A0092B-C50C-407E-A947-70E740481C1C}">
-                <a14:useLocalDpi xmlns:a14="http://schemas.microsoft.com/office/drawing/2010/main" val="0"/>
-              </a:ext>
-            </a:extLst>
-          </a:blip>
-          <a:stretch>
-            <a:fillRect/>
-          </a:stretch>
-        </p:blipFill>
-        <p:spPr>
-          <a:xfrm>
-            <a:off x="8160230" y="1027906"/>
-            <a:ext cx="3017357" cy="4510087"/>
-          </a:xfrm>
-          <a:prstGeom prst="rect">
-            <a:avLst/>
-          </a:prstGeom>
-        </p:spPr>
-      </p:pic>
-      <p:pic>
-        <p:nvPicPr>
-          <p:cNvPr id="7" name="Picture 6">
-            <a:extLst>
-              <a:ext uri="{FF2B5EF4-FFF2-40B4-BE49-F238E27FC236}">
-                <a16:creationId xmlns:a16="http://schemas.microsoft.com/office/drawing/2014/main" id="{A8A5FDFD-BCD9-C1B3-22A9-3CDFA77F73D6}"/>
-              </a:ext>
-            </a:extLst>
-          </p:cNvPr>
-          <p:cNvPicPr>
-            <a:picLocks noChangeAspect="1"/>
-          </p:cNvPicPr>
-          <p:nvPr/>
-        </p:nvPicPr>
-        <p:blipFill>
-          <a:blip r:embed="rId4">
-            <a:extLst>
-              <a:ext uri="{28A0092B-C50C-407E-A947-70E740481C1C}">
-                <a14:useLocalDpi xmlns:a14="http://schemas.microsoft.com/office/drawing/2010/main" val="0"/>
-              </a:ext>
-            </a:extLst>
-          </a:blip>
-          <a:stretch>
-            <a:fillRect/>
-          </a:stretch>
-        </p:blipFill>
-        <p:spPr>
-          <a:xfrm flipH="1">
-            <a:off x="7475456" y="0"/>
-            <a:ext cx="1683819" cy="1809750"/>
-          </a:xfrm>
-          <a:prstGeom prst="rect">
-            <a:avLst/>
-          </a:prstGeom>
-        </p:spPr>
-      </p:pic>
-      <p:pic>
-        <p:nvPicPr>
-          <p:cNvPr id="10" name="Picture 9">
-            <a:extLst>
-              <a:ext uri="{FF2B5EF4-FFF2-40B4-BE49-F238E27FC236}">
-                <a16:creationId xmlns:a16="http://schemas.microsoft.com/office/drawing/2014/main" id="{2A1A49A3-C33D-CB0F-B5F6-611C3DF5069F}"/>
-              </a:ext>
-            </a:extLst>
-          </p:cNvPr>
-          <p:cNvPicPr>
-            <a:picLocks noChangeAspect="1"/>
-          </p:cNvPicPr>
-          <p:nvPr/>
-        </p:nvPicPr>
-        <p:blipFill>
-          <a:blip r:embed="rId5">
-            <a:extLst>
-              <a:ext uri="{28A0092B-C50C-407E-A947-70E740481C1C}">
-                <a14:useLocalDpi xmlns:a14="http://schemas.microsoft.com/office/drawing/2010/main" val="0"/>
-              </a:ext>
-            </a:extLst>
-          </a:blip>
-          <a:stretch>
-            <a:fillRect/>
-          </a:stretch>
-        </p:blipFill>
-        <p:spPr>
-          <a:xfrm>
-            <a:off x="-1943100" y="5681091"/>
-            <a:ext cx="1943100" cy="1943100"/>
-          </a:xfrm>
-          <a:prstGeom prst="rect">
-            <a:avLst/>
-          </a:prstGeom>
-        </p:spPr>
-      </p:pic>
-      <p:pic>
-        <p:nvPicPr>
-          <p:cNvPr id="12" name="Picture 11">
-            <a:extLst>
-              <a:ext uri="{FF2B5EF4-FFF2-40B4-BE49-F238E27FC236}">
-                <a16:creationId xmlns:a16="http://schemas.microsoft.com/office/drawing/2014/main" id="{08B1BC4A-7BB6-435A-254D-975CB3B5C8E2}"/>
-              </a:ext>
-            </a:extLst>
-          </p:cNvPr>
-          <p:cNvPicPr>
-            <a:picLocks noChangeAspect="1"/>
-          </p:cNvPicPr>
-          <p:nvPr/>
-        </p:nvPicPr>
-        <p:blipFill>
-          <a:blip r:embed="rId6">
-            <a:extLst>
-              <a:ext uri="{28A0092B-C50C-407E-A947-70E740481C1C}">
-                <a14:useLocalDpi xmlns:a14="http://schemas.microsoft.com/office/drawing/2010/main" val="0"/>
-              </a:ext>
-            </a:extLst>
-          </a:blip>
-          <a:stretch>
-            <a:fillRect/>
-          </a:stretch>
-        </p:blipFill>
-        <p:spPr>
-          <a:xfrm>
-            <a:off x="10815687" y="3789584"/>
-            <a:ext cx="1943100" cy="1943100"/>
-          </a:xfrm>
-          <a:prstGeom prst="rect">
-            <a:avLst/>
-          </a:prstGeom>
-        </p:spPr>
-      </p:pic>
-      <p:pic>
-        <p:nvPicPr>
-          <p:cNvPr id="14" name="Picture 13">
-            <a:extLst>
-              <a:ext uri="{FF2B5EF4-FFF2-40B4-BE49-F238E27FC236}">
-                <a16:creationId xmlns:a16="http://schemas.microsoft.com/office/drawing/2014/main" id="{304AE724-CDE0-C3B7-0091-C541A885B2B1}"/>
-              </a:ext>
-            </a:extLst>
-          </p:cNvPr>
-          <p:cNvPicPr>
-            <a:picLocks noChangeAspect="1"/>
-          </p:cNvPicPr>
-          <p:nvPr/>
-        </p:nvPicPr>
-        <p:blipFill>
-          <a:blip r:embed="rId7">
-            <a:extLst>
-              <a:ext uri="{28A0092B-C50C-407E-A947-70E740481C1C}">
-                <a14:useLocalDpi xmlns:a14="http://schemas.microsoft.com/office/drawing/2010/main" val="0"/>
-              </a:ext>
-            </a:extLst>
-          </a:blip>
-          <a:stretch>
-            <a:fillRect/>
-          </a:stretch>
-        </p:blipFill>
-        <p:spPr>
-          <a:xfrm>
-            <a:off x="920143" y="2311398"/>
-            <a:ext cx="1943101" cy="1943101"/>
-          </a:xfrm>
-          <a:prstGeom prst="rect">
-            <a:avLst/>
-          </a:prstGeom>
-        </p:spPr>
-      </p:pic>
-      <p:pic>
-        <p:nvPicPr>
-          <p:cNvPr id="18" name="Picture 17">
-            <a:extLst>
-              <a:ext uri="{FF2B5EF4-FFF2-40B4-BE49-F238E27FC236}">
-                <a16:creationId xmlns:a16="http://schemas.microsoft.com/office/drawing/2014/main" id="{97C96FC3-C871-FDD9-3EBB-56EB1796BC4C}"/>
-              </a:ext>
-            </a:extLst>
-          </p:cNvPr>
-          <p:cNvPicPr>
-            <a:picLocks noChangeAspect="1"/>
-          </p:cNvPicPr>
-          <p:nvPr/>
-        </p:nvPicPr>
-        <p:blipFill>
-          <a:blip r:embed="rId8">
-            <a:extLst>
-              <a:ext uri="{28A0092B-C50C-407E-A947-70E740481C1C}">
-                <a14:useLocalDpi xmlns:a14="http://schemas.microsoft.com/office/drawing/2010/main" val="0"/>
-              </a:ext>
-            </a:extLst>
-          </a:blip>
-          <a:stretch>
-            <a:fillRect/>
-          </a:stretch>
-        </p:blipFill>
-        <p:spPr>
-          <a:xfrm>
-            <a:off x="920143" y="4254499"/>
-            <a:ext cx="1943101" cy="1943101"/>
-          </a:xfrm>
-          <a:prstGeom prst="rect">
-            <a:avLst/>
-          </a:prstGeom>
-        </p:spPr>
-      </p:pic>
     </p:spTree>
     <p:extLst>
       <p:ext uri="{BB962C8B-B14F-4D97-AF65-F5344CB8AC3E}">
@@ -6687,26 +6760,27 @@
             <p:ph idx="1"/>
           </p:nvPr>
         </p:nvSpPr>
-        <p:spPr/>
+        <p:spPr>
+          <a:xfrm>
+            <a:off x="838200" y="1690688"/>
+            <a:ext cx="10515600" cy="5042621"/>
+          </a:xfrm>
+        </p:spPr>
         <p:txBody>
-          <a:bodyPr/>
+          <a:bodyPr>
+            <a:normAutofit/>
+          </a:bodyPr>
           <a:lstStyle/>
           <a:p>
             <a:r>
               <a:rPr lang="en-US" dirty="0"/>
-              <a:t>Stage one design completed</a:t>
+              <a:t>Stage one designed and created in Unity</a:t>
             </a:r>
           </a:p>
           <a:p>
             <a:r>
               <a:rPr lang="en-US" dirty="0"/>
-              <a:t>Stage one created in unity</a:t>
-            </a:r>
-          </a:p>
-          <a:p>
-            <a:r>
-              <a:rPr lang="en-US" dirty="0"/>
-              <a:t>Camera follows player</a:t>
+              <a:t>Camera now follows player</a:t>
             </a:r>
           </a:p>
           <a:p>
@@ -6718,14 +6792,39 @@
           <a:p>
             <a:r>
               <a:rPr lang="en-US" dirty="0"/>
-              <a:t>Troubleshooting</a:t>
+              <a:t>Hazards can kill the player</a:t>
+            </a:r>
+          </a:p>
+          <a:p>
+            <a:r>
+              <a:rPr lang="en-US" dirty="0"/>
+              <a:t>Respawn implemented</a:t>
+            </a:r>
+          </a:p>
+          <a:p>
+            <a:r>
+              <a:rPr lang="en-US" dirty="0"/>
+              <a:t>Checkpoint framework created</a:t>
+            </a:r>
+          </a:p>
+          <a:p>
+            <a:r>
+              <a:rPr lang="en-US" dirty="0"/>
+              <a:t>Movement improved</a:t>
             </a:r>
           </a:p>
           <a:p>
             <a:pPr lvl="1"/>
             <a:r>
               <a:rPr lang="en-US" dirty="0"/>
-              <a:t>Player movement and physics improved</a:t>
+              <a:t>Fixed interactions not working as intended</a:t>
+            </a:r>
+          </a:p>
+          <a:p>
+            <a:pPr lvl="1"/>
+            <a:r>
+              <a:rPr lang="en-US" dirty="0"/>
+              <a:t>Added wall-jump</a:t>
             </a:r>
           </a:p>
         </p:txBody>
